--- a/1. Project Description & Goals.pptx
+++ b/1. Project Description & Goals.pptx
@@ -223,7 +223,7 @@
           <a:p>
             <a:fld id="{A2BDC4FF-42BE-4BE5-A70D-D37F58F79D25}" type="datetimeFigureOut">
               <a:rPr lang="en-US" smtClean="0"/>
-              <a:t>2/1/2017</a:t>
+              <a:t>2/3/2017</a:t>
             </a:fld>
             <a:endParaRPr lang="en-US"/>
           </a:p>
@@ -318,7 +318,6 @@
               <a:rPr lang="en-US"/>
               <a:t>Fifth level</a:t>
             </a:r>
-            <a:endParaRPr lang="en-US"/>
           </a:p>
         </p:txBody>
       </p:sp>
@@ -1470,7 +1469,7 @@
             <a:fld id="{1D8BD707-D9CF-40AE-B4C6-C98DA3205C09}" type="datetimeFigureOut">
               <a:rPr lang="en-US" smtClean="0"/>
               <a:pPr/>
-              <a:t>2/1/2017</a:t>
+              <a:t>2/3/2017</a:t>
             </a:fld>
             <a:endParaRPr lang="en-US"/>
           </a:p>
@@ -1635,7 +1634,7 @@
             <a:fld id="{1D8BD707-D9CF-40AE-B4C6-C98DA3205C09}" type="datetimeFigureOut">
               <a:rPr lang="en-US" smtClean="0"/>
               <a:pPr/>
-              <a:t>2/1/2017</a:t>
+              <a:t>2/3/2017</a:t>
             </a:fld>
             <a:endParaRPr lang="en-US"/>
           </a:p>
@@ -1810,7 +1809,7 @@
             <a:fld id="{1D8BD707-D9CF-40AE-B4C6-C98DA3205C09}" type="datetimeFigureOut">
               <a:rPr lang="en-US" smtClean="0"/>
               <a:pPr/>
-              <a:t>2/1/2017</a:t>
+              <a:t>2/3/2017</a:t>
             </a:fld>
             <a:endParaRPr lang="en-US"/>
           </a:p>
@@ -1975,7 +1974,7 @@
             <a:fld id="{1D8BD707-D9CF-40AE-B4C6-C98DA3205C09}" type="datetimeFigureOut">
               <a:rPr lang="en-US" smtClean="0"/>
               <a:pPr/>
-              <a:t>2/1/2017</a:t>
+              <a:t>2/3/2017</a:t>
             </a:fld>
             <a:endParaRPr lang="en-US"/>
           </a:p>
@@ -2217,7 +2216,7 @@
             <a:fld id="{1D8BD707-D9CF-40AE-B4C6-C98DA3205C09}" type="datetimeFigureOut">
               <a:rPr lang="en-US" smtClean="0"/>
               <a:pPr/>
-              <a:t>2/1/2017</a:t>
+              <a:t>2/3/2017</a:t>
             </a:fld>
             <a:endParaRPr lang="en-US"/>
           </a:p>
@@ -2499,7 +2498,7 @@
             <a:fld id="{1D8BD707-D9CF-40AE-B4C6-C98DA3205C09}" type="datetimeFigureOut">
               <a:rPr lang="en-US" smtClean="0"/>
               <a:pPr/>
-              <a:t>2/1/2017</a:t>
+              <a:t>2/3/2017</a:t>
             </a:fld>
             <a:endParaRPr lang="en-US"/>
           </a:p>
@@ -2915,7 +2914,7 @@
             <a:fld id="{1D8BD707-D9CF-40AE-B4C6-C98DA3205C09}" type="datetimeFigureOut">
               <a:rPr lang="en-US" smtClean="0"/>
               <a:pPr/>
-              <a:t>2/1/2017</a:t>
+              <a:t>2/3/2017</a:t>
             </a:fld>
             <a:endParaRPr lang="en-US"/>
           </a:p>
@@ -3029,7 +3028,7 @@
             <a:fld id="{1D8BD707-D9CF-40AE-B4C6-C98DA3205C09}" type="datetimeFigureOut">
               <a:rPr lang="en-US" smtClean="0"/>
               <a:pPr/>
-              <a:t>2/1/2017</a:t>
+              <a:t>2/3/2017</a:t>
             </a:fld>
             <a:endParaRPr lang="en-US"/>
           </a:p>
@@ -3121,7 +3120,7 @@
             <a:fld id="{1D8BD707-D9CF-40AE-B4C6-C98DA3205C09}" type="datetimeFigureOut">
               <a:rPr lang="en-US" smtClean="0"/>
               <a:pPr/>
-              <a:t>2/1/2017</a:t>
+              <a:t>2/3/2017</a:t>
             </a:fld>
             <a:endParaRPr lang="en-US"/>
           </a:p>
@@ -3393,7 +3392,7 @@
             <a:fld id="{1D8BD707-D9CF-40AE-B4C6-C98DA3205C09}" type="datetimeFigureOut">
               <a:rPr lang="en-US" smtClean="0"/>
               <a:pPr/>
-              <a:t>2/1/2017</a:t>
+              <a:t>2/3/2017</a:t>
             </a:fld>
             <a:endParaRPr lang="en-US"/>
           </a:p>
@@ -3642,7 +3641,7 @@
             <a:fld id="{1D8BD707-D9CF-40AE-B4C6-C98DA3205C09}" type="datetimeFigureOut">
               <a:rPr lang="en-US" smtClean="0"/>
               <a:pPr/>
-              <a:t>2/1/2017</a:t>
+              <a:t>2/3/2017</a:t>
             </a:fld>
             <a:endParaRPr lang="en-US"/>
           </a:p>
@@ -3850,7 +3849,7 @@
             <a:fld id="{1D8BD707-D9CF-40AE-B4C6-C98DA3205C09}" type="datetimeFigureOut">
               <a:rPr lang="en-US" smtClean="0"/>
               <a:pPr/>
-              <a:t>2/1/2017</a:t>
+              <a:t>2/3/2017</a:t>
             </a:fld>
             <a:endParaRPr lang="en-US"/>
           </a:p>
@@ -4264,7 +4263,7 @@
         </p:spPr>
         <p:txBody>
           <a:bodyPr>
-            <a:normAutofit fontScale="55000" lnSpcReduction="20000"/>
+            <a:normAutofit fontScale="47500" lnSpcReduction="20000"/>
           </a:bodyPr>
           <a:lstStyle/>
           <a:p>
@@ -4294,7 +4293,16 @@
                 <a:latin typeface="Times New Roman" panose="02020603050405020304" pitchFamily="18" charset="0"/>
                 <a:cs typeface="Times New Roman" panose="02020603050405020304" pitchFamily="18" charset="0"/>
               </a:rPr>
-              <a:t>By: Avelino (Wave) Inguane</a:t>
+              <a:t>By: Avelino (Wave) Inguane &amp;</a:t>
+            </a:r>
+          </a:p>
+          <a:p>
+            <a:r>
+              <a:rPr lang="en-US" sz="4000" dirty="0">
+                <a:latin typeface="Times New Roman" panose="02020603050405020304" pitchFamily="18" charset="0"/>
+                <a:cs typeface="Times New Roman" panose="02020603050405020304" pitchFamily="18" charset="0"/>
+              </a:rPr>
+              <a:t>Nicholas Wagner</a:t>
             </a:r>
           </a:p>
           <a:p>
@@ -4573,14 +4581,7 @@
                 <a:latin typeface="Arial" panose="020B0604020202020204" pitchFamily="34" charset="0"/>
                 <a:cs typeface="Arial" panose="020B0604020202020204" pitchFamily="34" charset="0"/>
               </a:rPr>
-              <a:t>Requirements specification  </a:t>
-            </a:r>
-            <a:r>
-              <a:rPr lang="en-US" dirty="0">
-                <a:latin typeface="Arial" panose="020B0604020202020204" pitchFamily="34" charset="0"/>
-                <a:cs typeface="Arial" panose="020B0604020202020204" pitchFamily="34" charset="0"/>
-              </a:rPr>
-              <a:t>        </a:t>
+              <a:t>Requirements specification          </a:t>
             </a:r>
             <a:r>
               <a:rPr lang="en-US" b="1" dirty="0">
@@ -4592,13 +4593,6 @@
               </a:rPr>
               <a:t>Feb 17</a:t>
             </a:r>
-            <a:endParaRPr lang="en-US" b="1" dirty="0">
-              <a:solidFill>
-                <a:srgbClr val="0070C0"/>
-              </a:solidFill>
-              <a:latin typeface="Arial" panose="020B0604020202020204" pitchFamily="34" charset="0"/>
-              <a:cs typeface="Arial" panose="020B0604020202020204" pitchFamily="34" charset="0"/>
-            </a:endParaRPr>
           </a:p>
           <a:p>
             <a:pPr lvl="1"/>
@@ -5650,19 +5644,8 @@
                 <a:latin typeface="Arial" panose="020B0604020202020204" pitchFamily="34" charset="0"/>
                 <a:cs typeface="Arial" panose="020B0604020202020204" pitchFamily="34" charset="0"/>
               </a:rPr>
-              <a:t>Product </a:t>
-            </a:r>
-            <a:r>
-              <a:rPr lang="en-US" sz="2600" dirty="0">
-                <a:latin typeface="Arial" panose="020B0604020202020204" pitchFamily="34" charset="0"/>
-                <a:cs typeface="Arial" panose="020B0604020202020204" pitchFamily="34" charset="0"/>
-              </a:rPr>
-              <a:t>use case model</a:t>
-            </a:r>
-            <a:endParaRPr lang="en-US" sz="2600" dirty="0">
-              <a:latin typeface="Arial" panose="020B0604020202020204" pitchFamily="34" charset="0"/>
-              <a:cs typeface="Arial" panose="020B0604020202020204" pitchFamily="34" charset="0"/>
-            </a:endParaRPr>
+              <a:t>Product use case model</a:t>
+            </a:r>
           </a:p>
           <a:p>
             <a:r>
